--- a/Pet Finder.pptx
+++ b/Pet Finder.pptx
@@ -5,18 +5,17 @@
     <p:sldMasterId id="2147483648" r:id="rId1"/>
   </p:sldMasterIdLst>
   <p:notesMasterIdLst>
-    <p:notesMasterId r:id="rId11"/>
+    <p:notesMasterId r:id="rId10"/>
   </p:notesMasterIdLst>
   <p:sldIdLst>
-    <p:sldId id="256" r:id="rId2"/>
-    <p:sldId id="262" r:id="rId3"/>
-    <p:sldId id="257" r:id="rId4"/>
-    <p:sldId id="258" r:id="rId5"/>
-    <p:sldId id="259" r:id="rId6"/>
-    <p:sldId id="260" r:id="rId7"/>
-    <p:sldId id="263" r:id="rId8"/>
-    <p:sldId id="261" r:id="rId9"/>
-    <p:sldId id="264" r:id="rId10"/>
+    <p:sldId id="262" r:id="rId2"/>
+    <p:sldId id="257" r:id="rId3"/>
+    <p:sldId id="258" r:id="rId4"/>
+    <p:sldId id="259" r:id="rId5"/>
+    <p:sldId id="260" r:id="rId6"/>
+    <p:sldId id="263" r:id="rId7"/>
+    <p:sldId id="261" r:id="rId8"/>
+    <p:sldId id="264" r:id="rId9"/>
   </p:sldIdLst>
   <p:sldSz cx="12192000" cy="6858000"/>
   <p:notesSz cx="6858000" cy="9144000"/>
@@ -115,6 +114,11 @@
       </a:defRPr>
     </a:lvl9pPr>
   </p:defaultTextStyle>
+  <p:extLst>
+    <p:ext uri="{EFAFB233-063F-42B5-8137-9DF3F51BA10A}">
+      <p15:sldGuideLst xmlns:p15="http://schemas.microsoft.com/office/powerpoint/2012/main"/>
+    </p:ext>
+  </p:extLst>
 </p:presentation>
 </file>
 
@@ -3684,10 +3688,10 @@
       </p:grpSpPr>
       <p:sp>
         <p:nvSpPr>
-          <p:cNvPr id="2" name="제목 1">
-            <a:extLst>
-              <a:ext uri="{FF2B5EF4-FFF2-40B4-BE49-F238E27FC236}">
-                <a16:creationId xmlns:a16="http://schemas.microsoft.com/office/drawing/2014/main" id="{BD2D016A-A114-4928-BB54-58B3104D1436}"/>
+          <p:cNvPr id="4" name="슬라이드 번호 개체 틀 3">
+            <a:extLst>
+              <a:ext uri="{FF2B5EF4-FFF2-40B4-BE49-F238E27FC236}">
+                <a16:creationId xmlns:a16="http://schemas.microsoft.com/office/drawing/2014/main" id="{7786C00D-0DC7-49E9-8CB7-8B6EA3B3C3C6}"/>
               </a:ext>
             </a:extLst>
           </p:cNvPr>
@@ -3695,7 +3699,7 @@
             <a:spLocks noGrp="1"/>
           </p:cNvSpPr>
           <p:nvPr>
-            <p:ph type="ctrTitle"/>
+            <p:ph type="sldNum" sz="quarter" idx="12"/>
           </p:nvPr>
         </p:nvSpPr>
         <p:spPr/>
@@ -3703,63 +3707,196 @@
           <a:bodyPr/>
           <a:lstStyle/>
           <a:p>
-            <a:r>
-              <a:rPr lang="en-US" altLang="ko-KR" b="1" dirty="0">
+            <a:fld id="{2F7FCA4A-3FA3-4A47-B97B-653B0204BC3C}" type="slidenum">
+              <a:rPr lang="ko-KR" altLang="en-US" smtClean="0"/>
+              <a:t>1</a:t>
+            </a:fld>
+            <a:endParaRPr lang="ko-KR" altLang="en-US"/>
+          </a:p>
+        </p:txBody>
+      </p:sp>
+      <p:sp>
+        <p:nvSpPr>
+          <p:cNvPr id="5" name="TextBox 4">
+            <a:extLst>
+              <a:ext uri="{FF2B5EF4-FFF2-40B4-BE49-F238E27FC236}">
+                <a16:creationId xmlns:a16="http://schemas.microsoft.com/office/drawing/2014/main" id="{63C31F65-6528-4AD8-85A9-B0A5A7AF2AD0}"/>
+              </a:ext>
+            </a:extLst>
+          </p:cNvPr>
+          <p:cNvSpPr txBox="1"/>
+          <p:nvPr/>
+        </p:nvSpPr>
+        <p:spPr>
+          <a:xfrm>
+            <a:off x="1543455" y="2626468"/>
+            <a:ext cx="9105090" cy="2774157"/>
+          </a:xfrm>
+          <a:prstGeom prst="rect">
+            <a:avLst/>
+          </a:prstGeom>
+          <a:noFill/>
+        </p:spPr>
+        <p:txBody>
+          <a:bodyPr wrap="square" rtlCol="0">
+            <a:spAutoFit/>
+          </a:bodyPr>
+          <a:lstStyle/>
+          <a:p>
+            <a:pPr algn="ctr">
+              <a:lnSpc>
+                <a:spcPct val="200000"/>
+              </a:lnSpc>
+            </a:pPr>
+            <a:r>
+              <a:rPr lang="ko-KR" altLang="en-US" dirty="0"/>
+              <a:t>현재 반려동물 위치 추적 제품이 이미 존재하나</a:t>
+            </a:r>
+            <a:r>
+              <a:rPr lang="en-US" altLang="ko-KR" dirty="0"/>
+              <a:t>, </a:t>
+            </a:r>
+            <a:r>
+              <a:rPr lang="ko-KR" altLang="en-US" dirty="0"/>
+              <a:t>주기적으로 비용이 청구 된다</a:t>
+            </a:r>
+            <a:r>
+              <a:rPr lang="en-US" altLang="ko-KR" dirty="0"/>
+              <a:t>.</a:t>
+            </a:r>
+          </a:p>
+          <a:p>
+            <a:pPr algn="ctr">
+              <a:lnSpc>
+                <a:spcPct val="200000"/>
+              </a:lnSpc>
+            </a:pPr>
+            <a:r>
+              <a:rPr lang="ko-KR" altLang="en-US" dirty="0"/>
+              <a:t>월 비용을 내지 않고 사용할 수 있는 제품을 제작하고자 한다</a:t>
+            </a:r>
+            <a:r>
+              <a:rPr lang="en-US" altLang="ko-KR" dirty="0"/>
+              <a:t>.</a:t>
+            </a:r>
+          </a:p>
+          <a:p>
+            <a:pPr algn="ctr">
+              <a:lnSpc>
+                <a:spcPct val="200000"/>
+              </a:lnSpc>
+            </a:pPr>
+            <a:r>
+              <a:rPr lang="ko-KR" altLang="en-US" dirty="0"/>
+              <a:t>또한 반려동물에게 필요한 기능을 추가하여 다른 제품과 차별성을 둘 것이다</a:t>
+            </a:r>
+            <a:r>
+              <a:rPr lang="en-US" altLang="ko-KR" dirty="0"/>
+              <a:t>.</a:t>
+            </a:r>
+          </a:p>
+          <a:p>
+            <a:pPr algn="ctr">
+              <a:lnSpc>
+                <a:spcPct val="200000"/>
+              </a:lnSpc>
+            </a:pPr>
+            <a:endParaRPr lang="en-US" altLang="ko-KR" dirty="0"/>
+          </a:p>
+          <a:p>
+            <a:pPr algn="ctr">
+              <a:lnSpc>
+                <a:spcPct val="200000"/>
+              </a:lnSpc>
+            </a:pPr>
+            <a:r>
+              <a:rPr lang="ko-KR" altLang="en-US" dirty="0"/>
+              <a:t>반려동물 위치추적기가 아닌 </a:t>
+            </a:r>
+            <a:r>
+              <a:rPr lang="ko-KR" altLang="en-US" b="1" dirty="0"/>
+              <a:t>웨어러블</a:t>
+            </a:r>
+            <a:r>
+              <a:rPr lang="ko-KR" altLang="en-US" dirty="0"/>
+              <a:t> 개념을 가져야한다</a:t>
+            </a:r>
+            <a:r>
+              <a:rPr lang="en-US" altLang="ko-KR" dirty="0"/>
+              <a:t>.</a:t>
+            </a:r>
+            <a:endParaRPr lang="ko-KR" altLang="en-US" dirty="0"/>
+          </a:p>
+        </p:txBody>
+      </p:sp>
+      <p:sp>
+        <p:nvSpPr>
+          <p:cNvPr id="6" name="직사각형 5">
+            <a:extLst>
+              <a:ext uri="{FF2B5EF4-FFF2-40B4-BE49-F238E27FC236}">
+                <a16:creationId xmlns:a16="http://schemas.microsoft.com/office/drawing/2014/main" id="{668326FD-2D79-478C-83B1-BB3AD62810D6}"/>
+              </a:ext>
+            </a:extLst>
+          </p:cNvPr>
+          <p:cNvSpPr/>
+          <p:nvPr/>
+        </p:nvSpPr>
+        <p:spPr>
+          <a:xfrm>
+            <a:off x="3518403" y="931201"/>
+            <a:ext cx="5155194" cy="1323439"/>
+          </a:xfrm>
+          <a:prstGeom prst="rect">
+            <a:avLst/>
+          </a:prstGeom>
+        </p:spPr>
+        <p:txBody>
+          <a:bodyPr wrap="none">
+            <a:spAutoFit/>
+          </a:bodyPr>
+          <a:lstStyle/>
+          <a:p>
+            <a:r>
+              <a:rPr lang="en-US" altLang="ko-KR" sz="8000" b="1" dirty="0">
                 <a:solidFill>
                   <a:srgbClr val="604B8B"/>
                 </a:solidFill>
               </a:rPr>
               <a:t>Pet Finder</a:t>
             </a:r>
-            <a:br>
-              <a:rPr lang="en-US" altLang="ko-KR" dirty="0"/>
-            </a:br>
-            <a:r>
-              <a:rPr lang="en-US" altLang="ko-KR" sz="4000" dirty="0"/>
-              <a:t>(</a:t>
-            </a:r>
-            <a:r>
-              <a:rPr lang="ko-KR" altLang="en-US" sz="4000" dirty="0"/>
-              <a:t>반려동물 웨어러블</a:t>
-            </a:r>
-            <a:r>
-              <a:rPr lang="en-US" altLang="ko-KR" sz="4000" dirty="0"/>
-              <a:t>)</a:t>
-            </a:r>
-            <a:endParaRPr lang="ko-KR" altLang="en-US" dirty="0"/>
-          </a:p>
-        </p:txBody>
-      </p:sp>
-      <p:sp>
-        <p:nvSpPr>
-          <p:cNvPr id="3" name="부제목 2">
-            <a:extLst>
-              <a:ext uri="{FF2B5EF4-FFF2-40B4-BE49-F238E27FC236}">
-                <a16:creationId xmlns:a16="http://schemas.microsoft.com/office/drawing/2014/main" id="{E13B2862-8B9B-4828-8368-6C9FA009BDC9}"/>
-              </a:ext>
-            </a:extLst>
-          </p:cNvPr>
-          <p:cNvSpPr>
-            <a:spLocks noGrp="1"/>
-          </p:cNvSpPr>
-          <p:nvPr>
-            <p:ph type="subTitle" idx="1"/>
-          </p:nvPr>
+            <a:endParaRPr lang="ko-KR" altLang="en-US" sz="8000" dirty="0"/>
+          </a:p>
+        </p:txBody>
+      </p:sp>
+      <p:sp>
+        <p:nvSpPr>
+          <p:cNvPr id="2" name="직사각형 1">
+            <a:extLst>
+              <a:ext uri="{FF2B5EF4-FFF2-40B4-BE49-F238E27FC236}">
+                <a16:creationId xmlns:a16="http://schemas.microsoft.com/office/drawing/2014/main" id="{9E8156C6-A4FD-45BF-BC92-47C31E27D44C}"/>
+              </a:ext>
+            </a:extLst>
+          </p:cNvPr>
+          <p:cNvSpPr/>
+          <p:nvPr/>
         </p:nvSpPr>
         <p:spPr>
           <a:xfrm>
-            <a:off x="1524000" y="4013099"/>
-            <a:ext cx="9144000" cy="1655762"/>
+            <a:off x="212521" y="6308079"/>
+            <a:ext cx="6096000" cy="461665"/>
           </a:xfrm>
+          <a:prstGeom prst="rect">
+            <a:avLst/>
+          </a:prstGeom>
         </p:spPr>
         <p:txBody>
           <a:bodyPr>
-            <a:normAutofit/>
+            <a:spAutoFit/>
           </a:bodyPr>
           <a:lstStyle/>
           <a:p>
             <a:r>
-              <a:rPr lang="ko-KR" altLang="en-US" sz="1600" dirty="0">
+              <a:rPr lang="ko-KR" altLang="en-US" sz="1200" dirty="0">
                 <a:solidFill>
                   <a:schemeClr val="bg1">
                     <a:lumMod val="50000"/>
@@ -3769,7 +3906,7 @@
               <a:t>작성자 </a:t>
             </a:r>
             <a:r>
-              <a:rPr lang="en-US" altLang="ko-KR" sz="1600" dirty="0">
+              <a:rPr lang="en-US" altLang="ko-KR" sz="1200" dirty="0">
                 <a:solidFill>
                   <a:schemeClr val="bg1">
                     <a:lumMod val="50000"/>
@@ -3779,7 +3916,7 @@
               <a:t>: </a:t>
             </a:r>
             <a:r>
-              <a:rPr lang="ko-KR" altLang="en-US" sz="1600" dirty="0">
+              <a:rPr lang="ko-KR" altLang="en-US" sz="1200" dirty="0">
                 <a:solidFill>
                   <a:schemeClr val="bg1">
                     <a:lumMod val="50000"/>
@@ -3788,7 +3925,7 @@
               </a:rPr>
               <a:t>김홍교</a:t>
             </a:r>
-            <a:endParaRPr lang="en-US" altLang="ko-KR" sz="1600" dirty="0">
+            <a:endParaRPr lang="en-US" altLang="ko-KR" sz="1200" dirty="0">
               <a:solidFill>
                 <a:schemeClr val="bg1">
                   <a:lumMod val="50000"/>
@@ -3798,7 +3935,7 @@
           </a:p>
           <a:p>
             <a:r>
-              <a:rPr lang="ko-KR" altLang="en-US" sz="1600" dirty="0">
+              <a:rPr lang="ko-KR" altLang="en-US" sz="1200" dirty="0">
                 <a:solidFill>
                   <a:schemeClr val="bg1">
                     <a:lumMod val="50000"/>
@@ -3808,7 +3945,7 @@
               <a:t>이메일 </a:t>
             </a:r>
             <a:r>
-              <a:rPr lang="en-US" altLang="ko-KR" sz="1600" dirty="0">
+              <a:rPr lang="en-US" altLang="ko-KR" sz="1200" dirty="0">
                 <a:solidFill>
                   <a:schemeClr val="bg1">
                     <a:lumMod val="50000"/>
@@ -3818,7 +3955,7 @@
               <a:t>: </a:t>
             </a:r>
             <a:r>
-              <a:rPr lang="en-US" altLang="ko-KR" sz="1600" dirty="0">
+              <a:rPr lang="en-US" altLang="ko-KR" sz="1200" dirty="0">
                 <a:solidFill>
                   <a:schemeClr val="accent1"/>
                 </a:solidFill>
@@ -3832,232 +3969,11 @@
               </a:rPr>
               <a:t>ghdry2563@gmail.com</a:t>
             </a:r>
-            <a:endParaRPr lang="en-US" altLang="ko-KR" sz="1600" dirty="0">
+            <a:endParaRPr lang="en-US" altLang="ko-KR" sz="1200" dirty="0">
               <a:solidFill>
                 <a:schemeClr val="accent1"/>
               </a:solidFill>
             </a:endParaRPr>
-          </a:p>
-          <a:p>
-            <a:endParaRPr lang="ko-KR" altLang="en-US" sz="1600" dirty="0">
-              <a:solidFill>
-                <a:schemeClr val="bg1">
-                  <a:lumMod val="50000"/>
-                </a:schemeClr>
-              </a:solidFill>
-            </a:endParaRPr>
-          </a:p>
-        </p:txBody>
-      </p:sp>
-    </p:spTree>
-    <p:extLst>
-      <p:ext uri="{BB962C8B-B14F-4D97-AF65-F5344CB8AC3E}">
-        <p14:creationId xmlns:p14="http://schemas.microsoft.com/office/powerpoint/2010/main" val="29060042"/>
-      </p:ext>
-    </p:extLst>
-  </p:cSld>
-  <p:clrMapOvr>
-    <a:masterClrMapping/>
-  </p:clrMapOvr>
-</p:sld>
-</file>
-
-<file path=ppt/slides/slide2.xml><?xml version="1.0" encoding="utf-8"?>
-<p:sld xmlns:a="http://schemas.openxmlformats.org/drawingml/2006/main" xmlns:r="http://schemas.openxmlformats.org/officeDocument/2006/relationships" xmlns:p="http://schemas.openxmlformats.org/presentationml/2006/main">
-  <p:cSld>
-    <p:spTree>
-      <p:nvGrpSpPr>
-        <p:cNvPr id="1" name=""/>
-        <p:cNvGrpSpPr/>
-        <p:nvPr/>
-      </p:nvGrpSpPr>
-      <p:grpSpPr>
-        <a:xfrm>
-          <a:off x="0" y="0"/>
-          <a:ext cx="0" cy="0"/>
-          <a:chOff x="0" y="0"/>
-          <a:chExt cx="0" cy="0"/>
-        </a:xfrm>
-      </p:grpSpPr>
-      <p:sp>
-        <p:nvSpPr>
-          <p:cNvPr id="4" name="슬라이드 번호 개체 틀 3">
-            <a:extLst>
-              <a:ext uri="{FF2B5EF4-FFF2-40B4-BE49-F238E27FC236}">
-                <a16:creationId xmlns:a16="http://schemas.microsoft.com/office/drawing/2014/main" id="{7786C00D-0DC7-49E9-8CB7-8B6EA3B3C3C6}"/>
-              </a:ext>
-            </a:extLst>
-          </p:cNvPr>
-          <p:cNvSpPr>
-            <a:spLocks noGrp="1"/>
-          </p:cNvSpPr>
-          <p:nvPr>
-            <p:ph type="sldNum" sz="quarter" idx="12"/>
-          </p:nvPr>
-        </p:nvSpPr>
-        <p:spPr/>
-        <p:txBody>
-          <a:bodyPr/>
-          <a:lstStyle/>
-          <a:p>
-            <a:fld id="{2F7FCA4A-3FA3-4A47-B97B-653B0204BC3C}" type="slidenum">
-              <a:rPr lang="ko-KR" altLang="en-US" smtClean="0"/>
-              <a:t>2</a:t>
-            </a:fld>
-            <a:endParaRPr lang="ko-KR" altLang="en-US"/>
-          </a:p>
-        </p:txBody>
-      </p:sp>
-      <p:sp>
-        <p:nvSpPr>
-          <p:cNvPr id="5" name="TextBox 4">
-            <a:extLst>
-              <a:ext uri="{FF2B5EF4-FFF2-40B4-BE49-F238E27FC236}">
-                <a16:creationId xmlns:a16="http://schemas.microsoft.com/office/drawing/2014/main" id="{63C31F65-6528-4AD8-85A9-B0A5A7AF2AD0}"/>
-              </a:ext>
-            </a:extLst>
-          </p:cNvPr>
-          <p:cNvSpPr txBox="1"/>
-          <p:nvPr/>
-        </p:nvSpPr>
-        <p:spPr>
-          <a:xfrm>
-            <a:off x="1543455" y="2626468"/>
-            <a:ext cx="9105090" cy="2774157"/>
-          </a:xfrm>
-          <a:prstGeom prst="rect">
-            <a:avLst/>
-          </a:prstGeom>
-          <a:noFill/>
-        </p:spPr>
-        <p:txBody>
-          <a:bodyPr wrap="square" rtlCol="0">
-            <a:spAutoFit/>
-          </a:bodyPr>
-          <a:lstStyle/>
-          <a:p>
-            <a:pPr algn="ctr">
-              <a:lnSpc>
-                <a:spcPct val="200000"/>
-              </a:lnSpc>
-            </a:pPr>
-            <a:r>
-              <a:rPr lang="ko-KR" altLang="en-US" dirty="0"/>
-              <a:t>현재 반려동물 위치 추적 제품이 이미 존재하나</a:t>
-            </a:r>
-            <a:r>
-              <a:rPr lang="en-US" altLang="ko-KR" dirty="0"/>
-              <a:t>, </a:t>
-            </a:r>
-            <a:r>
-              <a:rPr lang="ko-KR" altLang="en-US" dirty="0"/>
-              <a:t>주기적으로 비용이 청구 된다</a:t>
-            </a:r>
-            <a:r>
-              <a:rPr lang="en-US" altLang="ko-KR" dirty="0"/>
-              <a:t>.</a:t>
-            </a:r>
-          </a:p>
-          <a:p>
-            <a:pPr algn="ctr">
-              <a:lnSpc>
-                <a:spcPct val="200000"/>
-              </a:lnSpc>
-            </a:pPr>
-            <a:r>
-              <a:rPr lang="ko-KR" altLang="en-US" dirty="0"/>
-              <a:t>월 비용을 내지 않고 사용할 수 있는 제품을 제작하고자 한다</a:t>
-            </a:r>
-            <a:r>
-              <a:rPr lang="en-US" altLang="ko-KR" dirty="0"/>
-              <a:t>.</a:t>
-            </a:r>
-          </a:p>
-          <a:p>
-            <a:pPr algn="ctr">
-              <a:lnSpc>
-                <a:spcPct val="200000"/>
-              </a:lnSpc>
-            </a:pPr>
-            <a:r>
-              <a:rPr lang="ko-KR" altLang="en-US" dirty="0"/>
-              <a:t>또한 반려동물에게 필요한 기능을 추가하여 다른 제품과 차별성을 둘 것이다</a:t>
-            </a:r>
-            <a:r>
-              <a:rPr lang="en-US" altLang="ko-KR" dirty="0"/>
-              <a:t>.</a:t>
-            </a:r>
-          </a:p>
-          <a:p>
-            <a:pPr algn="ctr">
-              <a:lnSpc>
-                <a:spcPct val="200000"/>
-              </a:lnSpc>
-            </a:pPr>
-            <a:endParaRPr lang="en-US" altLang="ko-KR" dirty="0"/>
-          </a:p>
-          <a:p>
-            <a:pPr algn="ctr">
-              <a:lnSpc>
-                <a:spcPct val="200000"/>
-              </a:lnSpc>
-            </a:pPr>
-            <a:r>
-              <a:rPr lang="ko-KR" altLang="en-US" dirty="0"/>
-              <a:t>반려동물 위치추적기가 아닌 </a:t>
-            </a:r>
-            <a:r>
-              <a:rPr lang="ko-KR" altLang="en-US" b="1" dirty="0"/>
-              <a:t>웨어러블</a:t>
-            </a:r>
-            <a:r>
-              <a:rPr lang="ko-KR" altLang="en-US" dirty="0"/>
-              <a:t> 개념을 가져야한다</a:t>
-            </a:r>
-            <a:r>
-              <a:rPr lang="en-US" altLang="ko-KR" dirty="0"/>
-              <a:t>.</a:t>
-            </a:r>
-            <a:endParaRPr lang="ko-KR" altLang="en-US" dirty="0"/>
-          </a:p>
-        </p:txBody>
-      </p:sp>
-      <p:sp>
-        <p:nvSpPr>
-          <p:cNvPr id="6" name="직사각형 5">
-            <a:extLst>
-              <a:ext uri="{FF2B5EF4-FFF2-40B4-BE49-F238E27FC236}">
-                <a16:creationId xmlns:a16="http://schemas.microsoft.com/office/drawing/2014/main" id="{668326FD-2D79-478C-83B1-BB3AD62810D6}"/>
-              </a:ext>
-            </a:extLst>
-          </p:cNvPr>
-          <p:cNvSpPr/>
-          <p:nvPr/>
-        </p:nvSpPr>
-        <p:spPr>
-          <a:xfrm>
-            <a:off x="3518403" y="931201"/>
-            <a:ext cx="5155194" cy="1323439"/>
-          </a:xfrm>
-          <a:prstGeom prst="rect">
-            <a:avLst/>
-          </a:prstGeom>
-        </p:spPr>
-        <p:txBody>
-          <a:bodyPr wrap="none">
-            <a:spAutoFit/>
-          </a:bodyPr>
-          <a:lstStyle/>
-          <a:p>
-            <a:r>
-              <a:rPr lang="en-US" altLang="ko-KR" sz="8000" b="1" dirty="0">
-                <a:solidFill>
-                  <a:srgbClr val="604B8B"/>
-                </a:solidFill>
-              </a:rPr>
-              <a:t>Pet Finder</a:t>
-            </a:r>
-            <a:endParaRPr lang="ko-KR" altLang="en-US" sz="8000" dirty="0"/>
           </a:p>
         </p:txBody>
       </p:sp>
@@ -4074,7 +3990,7 @@
 </p:sld>
 </file>
 
-<file path=ppt/slides/slide3.xml><?xml version="1.0" encoding="utf-8"?>
+<file path=ppt/slides/slide2.xml><?xml version="1.0" encoding="utf-8"?>
 <p:sld xmlns:a="http://schemas.openxmlformats.org/drawingml/2006/main" xmlns:r="http://schemas.openxmlformats.org/officeDocument/2006/relationships" xmlns:p="http://schemas.openxmlformats.org/presentationml/2006/main">
   <p:cSld>
     <p:spTree>
@@ -5547,7 +5463,7 @@
           <a:p>
             <a:fld id="{2F7FCA4A-3FA3-4A47-B97B-653B0204BC3C}" type="slidenum">
               <a:rPr lang="ko-KR" altLang="en-US" smtClean="0"/>
-              <a:t>3</a:t>
+              <a:t>2</a:t>
             </a:fld>
             <a:endParaRPr lang="ko-KR" altLang="en-US"/>
           </a:p>
@@ -5557,6 +5473,227 @@
     <p:extLst>
       <p:ext uri="{BB962C8B-B14F-4D97-AF65-F5344CB8AC3E}">
         <p14:creationId xmlns:p14="http://schemas.microsoft.com/office/powerpoint/2010/main" val="936224990"/>
+      </p:ext>
+    </p:extLst>
+  </p:cSld>
+  <p:clrMapOvr>
+    <a:masterClrMapping/>
+  </p:clrMapOvr>
+</p:sld>
+</file>
+
+<file path=ppt/slides/slide3.xml><?xml version="1.0" encoding="utf-8"?>
+<p:sld xmlns:a="http://schemas.openxmlformats.org/drawingml/2006/main" xmlns:r="http://schemas.openxmlformats.org/officeDocument/2006/relationships" xmlns:p="http://schemas.openxmlformats.org/presentationml/2006/main">
+  <p:cSld>
+    <p:spTree>
+      <p:nvGrpSpPr>
+        <p:cNvPr id="1" name=""/>
+        <p:cNvGrpSpPr/>
+        <p:nvPr/>
+      </p:nvGrpSpPr>
+      <p:grpSpPr>
+        <a:xfrm>
+          <a:off x="0" y="0"/>
+          <a:ext cx="0" cy="0"/>
+          <a:chOff x="0" y="0"/>
+          <a:chExt cx="0" cy="0"/>
+        </a:xfrm>
+      </p:grpSpPr>
+      <p:sp>
+        <p:nvSpPr>
+          <p:cNvPr id="4" name="TextBox 3">
+            <a:extLst>
+              <a:ext uri="{FF2B5EF4-FFF2-40B4-BE49-F238E27FC236}">
+                <a16:creationId xmlns:a16="http://schemas.microsoft.com/office/drawing/2014/main" id="{4F4CECE7-6011-4998-8E73-A7C478DA65A4}"/>
+              </a:ext>
+            </a:extLst>
+          </p:cNvPr>
+          <p:cNvSpPr txBox="1"/>
+          <p:nvPr/>
+        </p:nvSpPr>
+        <p:spPr>
+          <a:xfrm>
+            <a:off x="234892" y="117446"/>
+            <a:ext cx="2533475" cy="461665"/>
+          </a:xfrm>
+          <a:prstGeom prst="rect">
+            <a:avLst/>
+          </a:prstGeom>
+          <a:noFill/>
+        </p:spPr>
+        <p:txBody>
+          <a:bodyPr wrap="square" rtlCol="0">
+            <a:spAutoFit/>
+          </a:bodyPr>
+          <a:lstStyle/>
+          <a:p>
+            <a:r>
+              <a:rPr lang="en-US" altLang="ko-KR" sz="2400" b="1" dirty="0"/>
+              <a:t>2. </a:t>
+            </a:r>
+            <a:r>
+              <a:rPr lang="ko-KR" altLang="en-US" sz="2400" b="1" dirty="0"/>
+              <a:t>기능</a:t>
+            </a:r>
+            <a:endParaRPr lang="en-US" altLang="ko-KR" sz="2400" b="1" dirty="0"/>
+          </a:p>
+        </p:txBody>
+      </p:sp>
+      <p:sp>
+        <p:nvSpPr>
+          <p:cNvPr id="5" name="TextBox 4">
+            <a:extLst>
+              <a:ext uri="{FF2B5EF4-FFF2-40B4-BE49-F238E27FC236}">
+                <a16:creationId xmlns:a16="http://schemas.microsoft.com/office/drawing/2014/main" id="{C858F034-F6B8-4FBA-B8E2-96CE74BCEF32}"/>
+              </a:ext>
+            </a:extLst>
+          </p:cNvPr>
+          <p:cNvSpPr txBox="1"/>
+          <p:nvPr/>
+        </p:nvSpPr>
+        <p:spPr>
+          <a:xfrm>
+            <a:off x="936770" y="897217"/>
+            <a:ext cx="5159230" cy="2531783"/>
+          </a:xfrm>
+          <a:prstGeom prst="rect">
+            <a:avLst/>
+          </a:prstGeom>
+          <a:noFill/>
+        </p:spPr>
+        <p:txBody>
+          <a:bodyPr wrap="square" rtlCol="0">
+            <a:spAutoFit/>
+          </a:bodyPr>
+          <a:lstStyle/>
+          <a:p>
+            <a:pPr marL="342900" indent="-342900">
+              <a:lnSpc>
+                <a:spcPct val="150000"/>
+              </a:lnSpc>
+              <a:buAutoNum type="alphaLcPeriod"/>
+            </a:pPr>
+            <a:r>
+              <a:rPr lang="ko-KR" altLang="en-US" b="1" dirty="0"/>
+              <a:t>반려동물 위치 추적</a:t>
+            </a:r>
+            <a:endParaRPr lang="en-US" altLang="ko-KR" b="1" dirty="0"/>
+          </a:p>
+          <a:p>
+            <a:pPr marL="342900" indent="-342900">
+              <a:lnSpc>
+                <a:spcPct val="150000"/>
+              </a:lnSpc>
+              <a:buAutoNum type="alphaLcPeriod"/>
+            </a:pPr>
+            <a:r>
+              <a:rPr lang="ko-KR" altLang="en-US" b="1" dirty="0"/>
+              <a:t>반려동물 야간 </a:t>
+            </a:r>
+            <a:r>
+              <a:rPr lang="en-US" altLang="ko-KR" b="1" dirty="0"/>
+              <a:t>LED</a:t>
+            </a:r>
+          </a:p>
+          <a:p>
+            <a:pPr marL="342900" indent="-342900">
+              <a:lnSpc>
+                <a:spcPct val="150000"/>
+              </a:lnSpc>
+              <a:buAutoNum type="alphaLcPeriod"/>
+            </a:pPr>
+            <a:r>
+              <a:rPr lang="ko-KR" altLang="en-US" b="1" dirty="0"/>
+              <a:t>반려동물 심박수 측정</a:t>
+            </a:r>
+            <a:endParaRPr lang="en-US" altLang="ko-KR" b="1" dirty="0"/>
+          </a:p>
+          <a:p>
+            <a:pPr marL="342900" indent="-342900">
+              <a:lnSpc>
+                <a:spcPct val="150000"/>
+              </a:lnSpc>
+              <a:buAutoNum type="alphaLcPeriod"/>
+            </a:pPr>
+            <a:r>
+              <a:rPr lang="ko-KR" altLang="en-US" b="1"/>
+              <a:t>사용자</a:t>
+            </a:r>
+            <a:r>
+              <a:rPr lang="en-US" altLang="ko-KR" b="1"/>
+              <a:t> </a:t>
+            </a:r>
+            <a:r>
+              <a:rPr lang="ko-KR" altLang="en-US" b="1" dirty="0"/>
+              <a:t>알림</a:t>
+            </a:r>
+            <a:endParaRPr lang="en-US" altLang="ko-KR" b="1" dirty="0"/>
+          </a:p>
+          <a:p>
+            <a:pPr marL="342900" indent="-342900">
+              <a:lnSpc>
+                <a:spcPct val="150000"/>
+              </a:lnSpc>
+              <a:buAutoNum type="alphaLcPeriod"/>
+            </a:pPr>
+            <a:r>
+              <a:rPr lang="en-US" altLang="ko-KR" b="1" dirty="0" err="1"/>
+              <a:t>Usb</a:t>
+            </a:r>
+            <a:r>
+              <a:rPr lang="en-US" altLang="ko-KR" b="1" dirty="0"/>
+              <a:t> </a:t>
+            </a:r>
+            <a:r>
+              <a:rPr lang="ko-KR" altLang="en-US" b="1" dirty="0"/>
+              <a:t>충전</a:t>
+            </a:r>
+            <a:endParaRPr lang="en-US" altLang="ko-KR" b="1" dirty="0"/>
+          </a:p>
+          <a:p>
+            <a:pPr marL="342900" indent="-342900">
+              <a:lnSpc>
+                <a:spcPct val="150000"/>
+              </a:lnSpc>
+              <a:buAutoNum type="alphaLcPeriod"/>
+            </a:pPr>
+            <a:endParaRPr lang="ko-KR" altLang="en-US" b="1" dirty="0"/>
+          </a:p>
+        </p:txBody>
+      </p:sp>
+      <p:sp>
+        <p:nvSpPr>
+          <p:cNvPr id="7" name="슬라이드 번호 개체 틀 6">
+            <a:extLst>
+              <a:ext uri="{FF2B5EF4-FFF2-40B4-BE49-F238E27FC236}">
+                <a16:creationId xmlns:a16="http://schemas.microsoft.com/office/drawing/2014/main" id="{7F6D3970-40BD-4266-BD07-7E23002879F1}"/>
+              </a:ext>
+            </a:extLst>
+          </p:cNvPr>
+          <p:cNvSpPr>
+            <a:spLocks noGrp="1"/>
+          </p:cNvSpPr>
+          <p:nvPr>
+            <p:ph type="sldNum" sz="quarter" idx="12"/>
+          </p:nvPr>
+        </p:nvSpPr>
+        <p:spPr/>
+        <p:txBody>
+          <a:bodyPr/>
+          <a:lstStyle/>
+          <a:p>
+            <a:fld id="{2F7FCA4A-3FA3-4A47-B97B-653B0204BC3C}" type="slidenum">
+              <a:rPr lang="ko-KR" altLang="en-US" smtClean="0"/>
+              <a:t>3</a:t>
+            </a:fld>
+            <a:endParaRPr lang="ko-KR" altLang="en-US"/>
+          </a:p>
+        </p:txBody>
+      </p:sp>
+    </p:spTree>
+    <p:extLst>
+      <p:ext uri="{BB962C8B-B14F-4D97-AF65-F5344CB8AC3E}">
+        <p14:creationId xmlns:p14="http://schemas.microsoft.com/office/powerpoint/2010/main" val="1515818050"/>
       </p:ext>
     </p:extLst>
   </p:cSld>
@@ -5588,7 +5725,7 @@
           <p:cNvPr id="4" name="TextBox 3">
             <a:extLst>
               <a:ext uri="{FF2B5EF4-FFF2-40B4-BE49-F238E27FC236}">
-                <a16:creationId xmlns:a16="http://schemas.microsoft.com/office/drawing/2014/main" id="{4F4CECE7-6011-4998-8E73-A7C478DA65A4}"/>
+                <a16:creationId xmlns:a16="http://schemas.microsoft.com/office/drawing/2014/main" id="{D453AFE3-50CD-428F-8996-5CEDDD466C70}"/>
               </a:ext>
             </a:extLst>
           </p:cNvPr>
@@ -5613,231 +5750,6 @@
           <a:p>
             <a:r>
               <a:rPr lang="en-US" altLang="ko-KR" sz="2400" b="1" dirty="0"/>
-              <a:t>2. </a:t>
-            </a:r>
-            <a:r>
-              <a:rPr lang="ko-KR" altLang="en-US" sz="2400" b="1" dirty="0"/>
-              <a:t>기능</a:t>
-            </a:r>
-            <a:endParaRPr lang="en-US" altLang="ko-KR" sz="2400" b="1" dirty="0"/>
-          </a:p>
-        </p:txBody>
-      </p:sp>
-      <p:sp>
-        <p:nvSpPr>
-          <p:cNvPr id="5" name="TextBox 4">
-            <a:extLst>
-              <a:ext uri="{FF2B5EF4-FFF2-40B4-BE49-F238E27FC236}">
-                <a16:creationId xmlns:a16="http://schemas.microsoft.com/office/drawing/2014/main" id="{C858F034-F6B8-4FBA-B8E2-96CE74BCEF32}"/>
-              </a:ext>
-            </a:extLst>
-          </p:cNvPr>
-          <p:cNvSpPr txBox="1"/>
-          <p:nvPr/>
-        </p:nvSpPr>
-        <p:spPr>
-          <a:xfrm>
-            <a:off x="936770" y="897217"/>
-            <a:ext cx="5159230" cy="2531783"/>
-          </a:xfrm>
-          <a:prstGeom prst="rect">
-            <a:avLst/>
-          </a:prstGeom>
-          <a:noFill/>
-        </p:spPr>
-        <p:txBody>
-          <a:bodyPr wrap="square" rtlCol="0">
-            <a:spAutoFit/>
-          </a:bodyPr>
-          <a:lstStyle/>
-          <a:p>
-            <a:pPr marL="342900" indent="-342900">
-              <a:lnSpc>
-                <a:spcPct val="150000"/>
-              </a:lnSpc>
-              <a:buAutoNum type="alphaLcPeriod"/>
-            </a:pPr>
-            <a:r>
-              <a:rPr lang="ko-KR" altLang="en-US" b="1" dirty="0"/>
-              <a:t>반려동물 위치 추적</a:t>
-            </a:r>
-            <a:endParaRPr lang="en-US" altLang="ko-KR" b="1" dirty="0"/>
-          </a:p>
-          <a:p>
-            <a:pPr marL="342900" indent="-342900">
-              <a:lnSpc>
-                <a:spcPct val="150000"/>
-              </a:lnSpc>
-              <a:buAutoNum type="alphaLcPeriod"/>
-            </a:pPr>
-            <a:r>
-              <a:rPr lang="ko-KR" altLang="en-US" b="1" dirty="0"/>
-              <a:t>반려동물 야간 </a:t>
-            </a:r>
-            <a:r>
-              <a:rPr lang="en-US" altLang="ko-KR" b="1" dirty="0"/>
-              <a:t>LED</a:t>
-            </a:r>
-          </a:p>
-          <a:p>
-            <a:pPr marL="342900" indent="-342900">
-              <a:lnSpc>
-                <a:spcPct val="150000"/>
-              </a:lnSpc>
-              <a:buAutoNum type="alphaLcPeriod"/>
-            </a:pPr>
-            <a:r>
-              <a:rPr lang="ko-KR" altLang="en-US" b="1" dirty="0"/>
-              <a:t>반려동물 심박수 측정</a:t>
-            </a:r>
-            <a:endParaRPr lang="en-US" altLang="ko-KR" b="1" dirty="0"/>
-          </a:p>
-          <a:p>
-            <a:pPr marL="342900" indent="-342900">
-              <a:lnSpc>
-                <a:spcPct val="150000"/>
-              </a:lnSpc>
-              <a:buAutoNum type="alphaLcPeriod"/>
-            </a:pPr>
-            <a:r>
-              <a:rPr lang="ko-KR" altLang="en-US" b="1" dirty="0"/>
-              <a:t>사용자 </a:t>
-            </a:r>
-            <a:r>
-              <a:rPr lang="en-US" altLang="ko-KR" b="1" dirty="0" err="1"/>
-              <a:t>Buger</a:t>
-            </a:r>
-            <a:r>
-              <a:rPr lang="en-US" altLang="ko-KR" b="1" dirty="0"/>
-              <a:t> </a:t>
-            </a:r>
-            <a:r>
-              <a:rPr lang="ko-KR" altLang="en-US" b="1" dirty="0"/>
-              <a:t>알림</a:t>
-            </a:r>
-            <a:endParaRPr lang="en-US" altLang="ko-KR" b="1" dirty="0"/>
-          </a:p>
-          <a:p>
-            <a:pPr marL="342900" indent="-342900">
-              <a:lnSpc>
-                <a:spcPct val="150000"/>
-              </a:lnSpc>
-              <a:buAutoNum type="alphaLcPeriod"/>
-            </a:pPr>
-            <a:r>
-              <a:rPr lang="en-US" altLang="ko-KR" b="1" dirty="0" err="1"/>
-              <a:t>Usb</a:t>
-            </a:r>
-            <a:r>
-              <a:rPr lang="en-US" altLang="ko-KR" b="1" dirty="0"/>
-              <a:t> </a:t>
-            </a:r>
-            <a:r>
-              <a:rPr lang="ko-KR" altLang="en-US" b="1" dirty="0"/>
-              <a:t>충전</a:t>
-            </a:r>
-            <a:endParaRPr lang="en-US" altLang="ko-KR" b="1" dirty="0"/>
-          </a:p>
-          <a:p>
-            <a:pPr marL="342900" indent="-342900">
-              <a:lnSpc>
-                <a:spcPct val="150000"/>
-              </a:lnSpc>
-              <a:buAutoNum type="alphaLcPeriod"/>
-            </a:pPr>
-            <a:endParaRPr lang="ko-KR" altLang="en-US" b="1" dirty="0"/>
-          </a:p>
-        </p:txBody>
-      </p:sp>
-      <p:sp>
-        <p:nvSpPr>
-          <p:cNvPr id="7" name="슬라이드 번호 개체 틀 6">
-            <a:extLst>
-              <a:ext uri="{FF2B5EF4-FFF2-40B4-BE49-F238E27FC236}">
-                <a16:creationId xmlns:a16="http://schemas.microsoft.com/office/drawing/2014/main" id="{7F6D3970-40BD-4266-BD07-7E23002879F1}"/>
-              </a:ext>
-            </a:extLst>
-          </p:cNvPr>
-          <p:cNvSpPr>
-            <a:spLocks noGrp="1"/>
-          </p:cNvSpPr>
-          <p:nvPr>
-            <p:ph type="sldNum" sz="quarter" idx="12"/>
-          </p:nvPr>
-        </p:nvSpPr>
-        <p:spPr/>
-        <p:txBody>
-          <a:bodyPr/>
-          <a:lstStyle/>
-          <a:p>
-            <a:fld id="{2F7FCA4A-3FA3-4A47-B97B-653B0204BC3C}" type="slidenum">
-              <a:rPr lang="ko-KR" altLang="en-US" smtClean="0"/>
-              <a:t>4</a:t>
-            </a:fld>
-            <a:endParaRPr lang="ko-KR" altLang="en-US"/>
-          </a:p>
-        </p:txBody>
-      </p:sp>
-    </p:spTree>
-    <p:extLst>
-      <p:ext uri="{BB962C8B-B14F-4D97-AF65-F5344CB8AC3E}">
-        <p14:creationId xmlns:p14="http://schemas.microsoft.com/office/powerpoint/2010/main" val="1515818050"/>
-      </p:ext>
-    </p:extLst>
-  </p:cSld>
-  <p:clrMapOvr>
-    <a:masterClrMapping/>
-  </p:clrMapOvr>
-</p:sld>
-</file>
-
-<file path=ppt/slides/slide5.xml><?xml version="1.0" encoding="utf-8"?>
-<p:sld xmlns:a="http://schemas.openxmlformats.org/drawingml/2006/main" xmlns:r="http://schemas.openxmlformats.org/officeDocument/2006/relationships" xmlns:p="http://schemas.openxmlformats.org/presentationml/2006/main">
-  <p:cSld>
-    <p:spTree>
-      <p:nvGrpSpPr>
-        <p:cNvPr id="1" name=""/>
-        <p:cNvGrpSpPr/>
-        <p:nvPr/>
-      </p:nvGrpSpPr>
-      <p:grpSpPr>
-        <a:xfrm>
-          <a:off x="0" y="0"/>
-          <a:ext cx="0" cy="0"/>
-          <a:chOff x="0" y="0"/>
-          <a:chExt cx="0" cy="0"/>
-        </a:xfrm>
-      </p:grpSpPr>
-      <p:sp>
-        <p:nvSpPr>
-          <p:cNvPr id="4" name="TextBox 3">
-            <a:extLst>
-              <a:ext uri="{FF2B5EF4-FFF2-40B4-BE49-F238E27FC236}">
-                <a16:creationId xmlns:a16="http://schemas.microsoft.com/office/drawing/2014/main" id="{D453AFE3-50CD-428F-8996-5CEDDD466C70}"/>
-              </a:ext>
-            </a:extLst>
-          </p:cNvPr>
-          <p:cNvSpPr txBox="1"/>
-          <p:nvPr/>
-        </p:nvSpPr>
-        <p:spPr>
-          <a:xfrm>
-            <a:off x="234892" y="117446"/>
-            <a:ext cx="2533475" cy="461665"/>
-          </a:xfrm>
-          <a:prstGeom prst="rect">
-            <a:avLst/>
-          </a:prstGeom>
-          <a:noFill/>
-        </p:spPr>
-        <p:txBody>
-          <a:bodyPr wrap="square" rtlCol="0">
-            <a:spAutoFit/>
-          </a:bodyPr>
-          <a:lstStyle/>
-          <a:p>
-            <a:r>
-              <a:rPr lang="en-US" altLang="ko-KR" sz="2400" b="1" dirty="0"/>
               <a:t>3. </a:t>
             </a:r>
             <a:r>
@@ -5912,7 +5824,7 @@
           <a:p>
             <a:fld id="{2F7FCA4A-3FA3-4A47-B97B-653B0204BC3C}" type="slidenum">
               <a:rPr lang="ko-KR" altLang="en-US" smtClean="0"/>
-              <a:t>5</a:t>
+              <a:t>4</a:t>
             </a:fld>
             <a:endParaRPr lang="ko-KR" altLang="en-US"/>
           </a:p>
@@ -6045,10 +5957,10 @@
             <p:nvPr/>
           </p:nvPicPr>
           <p:blipFill>
-            <a:blip r:embed="rId2">
+            <a:blip r:embed="rId2" cstate="email">
               <a:extLst>
                 <a:ext uri="{28A0092B-C50C-407E-A947-70E740481C1C}">
-                  <a14:useLocalDpi xmlns:a14="http://schemas.microsoft.com/office/drawing/2010/main" val="0"/>
+                  <a14:useLocalDpi xmlns:a14="http://schemas.microsoft.com/office/drawing/2010/main"/>
                 </a:ext>
               </a:extLst>
             </a:blip>
@@ -6160,7 +6072,7 @@
           <a:blip r:embed="rId3">
             <a:extLst>
               <a:ext uri="{28A0092B-C50C-407E-A947-70E740481C1C}">
-                <a14:useLocalDpi xmlns:a14="http://schemas.microsoft.com/office/drawing/2010/main" val="0"/>
+                <a14:useLocalDpi xmlns:a14="http://schemas.microsoft.com/office/drawing/2010/main"/>
               </a:ext>
             </a:extLst>
           </a:blip>
@@ -6204,10 +6116,10 @@
           <p:nvPr/>
         </p:nvPicPr>
         <p:blipFill>
-          <a:blip r:embed="rId4">
+          <a:blip r:embed="rId4" cstate="email">
             <a:extLst>
               <a:ext uri="{28A0092B-C50C-407E-A947-70E740481C1C}">
-                <a14:useLocalDpi xmlns:a14="http://schemas.microsoft.com/office/drawing/2010/main" val="0"/>
+                <a14:useLocalDpi xmlns:a14="http://schemas.microsoft.com/office/drawing/2010/main"/>
               </a:ext>
             </a:extLst>
           </a:blip>
@@ -6284,7 +6196,7 @@
 </p:sld>
 </file>
 
-<file path=ppt/slides/slide6.xml><?xml version="1.0" encoding="utf-8"?>
+<file path=ppt/slides/slide5.xml><?xml version="1.0" encoding="utf-8"?>
 <p:sld xmlns:a="http://schemas.openxmlformats.org/drawingml/2006/main" xmlns:r="http://schemas.openxmlformats.org/officeDocument/2006/relationships" xmlns:p="http://schemas.openxmlformats.org/presentationml/2006/main">
   <p:cSld>
     <p:spTree>
@@ -6411,7 +6323,7 @@
           <a:p>
             <a:fld id="{2F7FCA4A-3FA3-4A47-B97B-653B0204BC3C}" type="slidenum">
               <a:rPr lang="ko-KR" altLang="en-US" smtClean="0"/>
-              <a:t>6</a:t>
+              <a:t>5</a:t>
             </a:fld>
             <a:endParaRPr lang="ko-KR" altLang="en-US"/>
           </a:p>
@@ -6488,7 +6400,7 @@
           <a:blip r:embed="rId2">
             <a:extLst>
               <a:ext uri="{28A0092B-C50C-407E-A947-70E740481C1C}">
-                <a14:useLocalDpi xmlns:a14="http://schemas.microsoft.com/office/drawing/2010/main" val="0"/>
+                <a14:useLocalDpi xmlns:a14="http://schemas.microsoft.com/office/drawing/2010/main"/>
               </a:ext>
             </a:extLst>
           </a:blip>
@@ -6519,7 +6431,7 @@
 </p:sld>
 </file>
 
-<file path=ppt/slides/slide7.xml><?xml version="1.0" encoding="utf-8"?>
+<file path=ppt/slides/slide6.xml><?xml version="1.0" encoding="utf-8"?>
 <p:sld xmlns:a="http://schemas.openxmlformats.org/drawingml/2006/main" xmlns:r="http://schemas.openxmlformats.org/officeDocument/2006/relationships" xmlns:p="http://schemas.openxmlformats.org/presentationml/2006/main">
   <p:cSld>
     <p:spTree>
@@ -6599,7 +6511,7 @@
           <a:p>
             <a:fld id="{2F7FCA4A-3FA3-4A47-B97B-653B0204BC3C}" type="slidenum">
               <a:rPr lang="ko-KR" altLang="en-US" smtClean="0"/>
-              <a:t>7</a:t>
+              <a:t>6</a:t>
             </a:fld>
             <a:endParaRPr lang="ko-KR" altLang="en-US"/>
           </a:p>
@@ -6717,7 +6629,7 @@
           <a:blip r:embed="rId3">
             <a:extLst>
               <a:ext uri="{28A0092B-C50C-407E-A947-70E740481C1C}">
-                <a14:useLocalDpi xmlns:a14="http://schemas.microsoft.com/office/drawing/2010/main" val="0"/>
+                <a14:useLocalDpi xmlns:a14="http://schemas.microsoft.com/office/drawing/2010/main"/>
               </a:ext>
             </a:extLst>
           </a:blip>
@@ -6803,7 +6715,7 @@
 </p:sld>
 </file>
 
-<file path=ppt/slides/slide8.xml><?xml version="1.0" encoding="utf-8"?>
+<file path=ppt/slides/slide7.xml><?xml version="1.0" encoding="utf-8"?>
 <p:sld xmlns:a="http://schemas.openxmlformats.org/drawingml/2006/main" xmlns:r="http://schemas.openxmlformats.org/officeDocument/2006/relationships" xmlns:p="http://schemas.openxmlformats.org/presentationml/2006/main">
   <p:cSld>
     <p:spTree>
@@ -6883,7 +6795,7 @@
           <a:p>
             <a:fld id="{2F7FCA4A-3FA3-4A47-B97B-653B0204BC3C}" type="slidenum">
               <a:rPr lang="ko-KR" altLang="en-US" smtClean="0"/>
-              <a:t>8</a:t>
+              <a:t>7</a:t>
             </a:fld>
             <a:endParaRPr lang="ko-KR" altLang="en-US" dirty="0"/>
           </a:p>
@@ -7021,10 +6933,10 @@
             <p:nvPr/>
           </p:nvPicPr>
           <p:blipFill>
-            <a:blip r:embed="rId2">
+            <a:blip r:embed="rId2" cstate="email">
               <a:extLst>
                 <a:ext uri="{28A0092B-C50C-407E-A947-70E740481C1C}">
-                  <a14:useLocalDpi xmlns:a14="http://schemas.microsoft.com/office/drawing/2010/main" val="0"/>
+                  <a14:useLocalDpi xmlns:a14="http://schemas.microsoft.com/office/drawing/2010/main"/>
                 </a:ext>
               </a:extLst>
             </a:blip>
@@ -7196,10 +7108,10 @@
             <p:nvPr/>
           </p:nvPicPr>
           <p:blipFill>
-            <a:blip r:embed="rId3">
+            <a:blip r:embed="rId3" cstate="email">
               <a:extLst>
                 <a:ext uri="{28A0092B-C50C-407E-A947-70E740481C1C}">
-                  <a14:useLocalDpi xmlns:a14="http://schemas.microsoft.com/office/drawing/2010/main" val="0"/>
+                  <a14:useLocalDpi xmlns:a14="http://schemas.microsoft.com/office/drawing/2010/main"/>
                 </a:ext>
               </a:extLst>
             </a:blip>
@@ -7369,10 +7281,10 @@
           <p:nvPr/>
         </p:nvPicPr>
         <p:blipFill>
-          <a:blip r:embed="rId4">
+          <a:blip r:embed="rId4" cstate="email">
             <a:extLst>
               <a:ext uri="{28A0092B-C50C-407E-A947-70E740481C1C}">
-                <a14:useLocalDpi xmlns:a14="http://schemas.microsoft.com/office/drawing/2010/main" val="0"/>
+                <a14:useLocalDpi xmlns:a14="http://schemas.microsoft.com/office/drawing/2010/main"/>
               </a:ext>
             </a:extLst>
           </a:blip>
@@ -7414,7 +7326,7 @@
 </p:sld>
 </file>
 
-<file path=ppt/slides/slide9.xml><?xml version="1.0" encoding="utf-8"?>
+<file path=ppt/slides/slide8.xml><?xml version="1.0" encoding="utf-8"?>
 <p:sld xmlns:a="http://schemas.openxmlformats.org/drawingml/2006/main" xmlns:r="http://schemas.openxmlformats.org/officeDocument/2006/relationships" xmlns:p="http://schemas.openxmlformats.org/presentationml/2006/main">
   <p:cSld>
     <p:spTree>
@@ -7494,7 +7406,7 @@
           <a:p>
             <a:fld id="{2F7FCA4A-3FA3-4A47-B97B-653B0204BC3C}" type="slidenum">
               <a:rPr lang="ko-KR" altLang="en-US" smtClean="0"/>
-              <a:t>9</a:t>
+              <a:t>8</a:t>
             </a:fld>
             <a:endParaRPr lang="ko-KR" altLang="en-US" dirty="0"/>
           </a:p>
@@ -7628,14 +7540,14 @@
           <p:nvPr/>
         </p:nvPicPr>
         <p:blipFill rotWithShape="1">
-          <a:blip r:embed="rId2">
+          <a:blip r:embed="rId2" cstate="hqprint">
             <a:extLst>
               <a:ext uri="{28A0092B-C50C-407E-A947-70E740481C1C}">
-                <a14:useLocalDpi xmlns:a14="http://schemas.microsoft.com/office/drawing/2010/main" val="0"/>
+                <a14:useLocalDpi xmlns:a14="http://schemas.microsoft.com/office/drawing/2010/main"/>
               </a:ext>
             </a:extLst>
           </a:blip>
-          <a:srcRect b="6778"/>
+          <a:srcRect/>
           <a:stretch/>
         </p:blipFill>
         <p:spPr bwMode="auto">
